--- a/CSI3002 Applied Cryptography and Network Security/reference materials/module-7/31_Web Security.pptx
+++ b/CSI3002 Applied Cryptography and Network Security/reference materials/module-7/31_Web Security.pptx
@@ -271,7 +271,7 @@
           <a:p>
             <a:fld id="{57FF82C3-2FA9-495D-B0BF-E879D2D77FEE}" type="datetimeFigureOut">
               <a:rPr lang="en-IN" smtClean="0"/>
-              <a:t>03/05/22</a:t>
+              <a:t>05/05/22</a:t>
             </a:fld>
             <a:endParaRPr lang="en-IN"/>
           </a:p>
@@ -441,7 +441,7 @@
           <a:p>
             <a:fld id="{57FF82C3-2FA9-495D-B0BF-E879D2D77FEE}" type="datetimeFigureOut">
               <a:rPr lang="en-IN" smtClean="0"/>
-              <a:t>03/05/22</a:t>
+              <a:t>05/05/22</a:t>
             </a:fld>
             <a:endParaRPr lang="en-IN"/>
           </a:p>
@@ -621,7 +621,7 @@
           <a:p>
             <a:fld id="{57FF82C3-2FA9-495D-B0BF-E879D2D77FEE}" type="datetimeFigureOut">
               <a:rPr lang="en-IN" smtClean="0"/>
-              <a:t>03/05/22</a:t>
+              <a:t>05/05/22</a:t>
             </a:fld>
             <a:endParaRPr lang="en-IN"/>
           </a:p>
@@ -791,7 +791,7 @@
           <a:p>
             <a:fld id="{57FF82C3-2FA9-495D-B0BF-E879D2D77FEE}" type="datetimeFigureOut">
               <a:rPr lang="en-IN" smtClean="0"/>
-              <a:t>03/05/22</a:t>
+              <a:t>05/05/22</a:t>
             </a:fld>
             <a:endParaRPr lang="en-IN"/>
           </a:p>
@@ -1037,7 +1037,7 @@
           <a:p>
             <a:fld id="{57FF82C3-2FA9-495D-B0BF-E879D2D77FEE}" type="datetimeFigureOut">
               <a:rPr lang="en-IN" smtClean="0"/>
-              <a:t>03/05/22</a:t>
+              <a:t>05/05/22</a:t>
             </a:fld>
             <a:endParaRPr lang="en-IN"/>
           </a:p>
@@ -1269,7 +1269,7 @@
           <a:p>
             <a:fld id="{57FF82C3-2FA9-495D-B0BF-E879D2D77FEE}" type="datetimeFigureOut">
               <a:rPr lang="en-IN" smtClean="0"/>
-              <a:t>03/05/22</a:t>
+              <a:t>05/05/22</a:t>
             </a:fld>
             <a:endParaRPr lang="en-IN"/>
           </a:p>
@@ -1636,7 +1636,7 @@
           <a:p>
             <a:fld id="{57FF82C3-2FA9-495D-B0BF-E879D2D77FEE}" type="datetimeFigureOut">
               <a:rPr lang="en-IN" smtClean="0"/>
-              <a:t>03/05/22</a:t>
+              <a:t>05/05/22</a:t>
             </a:fld>
             <a:endParaRPr lang="en-IN"/>
           </a:p>
@@ -1754,7 +1754,7 @@
           <a:p>
             <a:fld id="{57FF82C3-2FA9-495D-B0BF-E879D2D77FEE}" type="datetimeFigureOut">
               <a:rPr lang="en-IN" smtClean="0"/>
-              <a:t>03/05/22</a:t>
+              <a:t>05/05/22</a:t>
             </a:fld>
             <a:endParaRPr lang="en-IN"/>
           </a:p>
@@ -1849,7 +1849,7 @@
           <a:p>
             <a:fld id="{57FF82C3-2FA9-495D-B0BF-E879D2D77FEE}" type="datetimeFigureOut">
               <a:rPr lang="en-IN" smtClean="0"/>
-              <a:t>03/05/22</a:t>
+              <a:t>05/05/22</a:t>
             </a:fld>
             <a:endParaRPr lang="en-IN"/>
           </a:p>
@@ -2126,7 +2126,7 @@
           <a:p>
             <a:fld id="{57FF82C3-2FA9-495D-B0BF-E879D2D77FEE}" type="datetimeFigureOut">
               <a:rPr lang="en-IN" smtClean="0"/>
-              <a:t>03/05/22</a:t>
+              <a:t>05/05/22</a:t>
             </a:fld>
             <a:endParaRPr lang="en-IN"/>
           </a:p>
@@ -2379,7 +2379,7 @@
           <a:p>
             <a:fld id="{57FF82C3-2FA9-495D-B0BF-E879D2D77FEE}" type="datetimeFigureOut">
               <a:rPr lang="en-IN" smtClean="0"/>
-              <a:t>03/05/22</a:t>
+              <a:t>05/05/22</a:t>
             </a:fld>
             <a:endParaRPr lang="en-IN"/>
           </a:p>
@@ -2592,7 +2592,7 @@
           <a:p>
             <a:fld id="{57FF82C3-2FA9-495D-B0BF-E879D2D77FEE}" type="datetimeFigureOut">
               <a:rPr lang="en-IN" smtClean="0"/>
-              <a:t>03/05/22</a:t>
+              <a:t>05/05/22</a:t>
             </a:fld>
             <a:endParaRPr lang="en-IN"/>
           </a:p>
